--- a/Slides/Lec-32-Multivariate-Linear-Regression.pptx
+++ b/Slides/Lec-32-Multivariate-Linear-Regression.pptx
@@ -7652,11 +7652,101 @@
           <a:p>
             <a:r>
               <a:rPr lang="en-US" dirty="0"/>
-              <a:t>New Cost Function</a:t>
+              <a:t>Objective Recap: Minimize Cost Function</a:t>
             </a:r>
           </a:p>
         </p:txBody>
       </p:sp>
+      <p:pic>
+        <p:nvPicPr>
+          <p:cNvPr id="5" name="Picture 4">
+            <a:extLst>
+              <a:ext uri="{FF2B5EF4-FFF2-40B4-BE49-F238E27FC236}">
+                <a16:creationId xmlns:a16="http://schemas.microsoft.com/office/drawing/2014/main" id="{39342449-845E-364A-A628-B1F74EAF534F}"/>
+              </a:ext>
+            </a:extLst>
+          </p:cNvPr>
+          <p:cNvPicPr>
+            <a:picLocks noChangeAspect="1"/>
+          </p:cNvPicPr>
+          <p:nvPr/>
+        </p:nvPicPr>
+        <p:blipFill>
+          <a:blip r:embed="rId2"/>
+          <a:stretch>
+            <a:fillRect/>
+          </a:stretch>
+        </p:blipFill>
+        <p:spPr>
+          <a:xfrm>
+            <a:off x="3230010" y="1496392"/>
+            <a:ext cx="4483100" cy="1320800"/>
+          </a:xfrm>
+          <a:prstGeom prst="rect">
+            <a:avLst/>
+          </a:prstGeom>
+        </p:spPr>
+      </p:pic>
+      <p:pic>
+        <p:nvPicPr>
+          <p:cNvPr id="6" name="Picture 5">
+            <a:extLst>
+              <a:ext uri="{FF2B5EF4-FFF2-40B4-BE49-F238E27FC236}">
+                <a16:creationId xmlns:a16="http://schemas.microsoft.com/office/drawing/2014/main" id="{A0B74C6D-8A6F-6742-BA2E-7D1A6EB3985E}"/>
+              </a:ext>
+            </a:extLst>
+          </p:cNvPr>
+          <p:cNvPicPr>
+            <a:picLocks noChangeAspect="1"/>
+          </p:cNvPicPr>
+          <p:nvPr/>
+        </p:nvPicPr>
+        <p:blipFill>
+          <a:blip r:embed="rId3"/>
+          <a:stretch>
+            <a:fillRect/>
+          </a:stretch>
+        </p:blipFill>
+        <p:spPr>
+          <a:xfrm>
+            <a:off x="1785523" y="3583609"/>
+            <a:ext cx="2374900" cy="457200"/>
+          </a:xfrm>
+          <a:prstGeom prst="rect">
+            <a:avLst/>
+          </a:prstGeom>
+        </p:spPr>
+      </p:pic>
+      <p:pic>
+        <p:nvPicPr>
+          <p:cNvPr id="8" name="Picture 7">
+            <a:extLst>
+              <a:ext uri="{FF2B5EF4-FFF2-40B4-BE49-F238E27FC236}">
+                <a16:creationId xmlns:a16="http://schemas.microsoft.com/office/drawing/2014/main" id="{539FC4DA-93F8-3A40-BDD6-A116BCE530DE}"/>
+              </a:ext>
+            </a:extLst>
+          </p:cNvPr>
+          <p:cNvPicPr>
+            <a:picLocks noChangeAspect="1"/>
+          </p:cNvPicPr>
+          <p:nvPr/>
+        </p:nvPicPr>
+        <p:blipFill>
+          <a:blip r:embed="rId4"/>
+          <a:stretch>
+            <a:fillRect/>
+          </a:stretch>
+        </p:blipFill>
+        <p:spPr>
+          <a:xfrm>
+            <a:off x="7348675" y="3583609"/>
+            <a:ext cx="1917700" cy="457200"/>
+          </a:xfrm>
+          <a:prstGeom prst="rect">
+            <a:avLst/>
+          </a:prstGeom>
+        </p:spPr>
+      </p:pic>
     </p:spTree>
     <p:extLst>
       <p:ext uri="{BB962C8B-B14F-4D97-AF65-F5344CB8AC3E}">
@@ -7722,29 +7812,699 @@
       </p:sp>
       <p:sp>
         <p:nvSpPr>
-          <p:cNvPr id="3" name="Content Placeholder 2">
+          <p:cNvPr id="4" name="TextBox 3">
             <a:extLst>
               <a:ext uri="{FF2B5EF4-FFF2-40B4-BE49-F238E27FC236}">
-                <a16:creationId xmlns:a16="http://schemas.microsoft.com/office/drawing/2014/main" id="{132D2925-CCC0-C546-B4DD-701A011D1548}"/>
+                <a16:creationId xmlns:a16="http://schemas.microsoft.com/office/drawing/2014/main" id="{6072DF93-A9B8-684A-8D4F-6F2ED33128E7}"/>
               </a:ext>
             </a:extLst>
           </p:cNvPr>
-          <p:cNvSpPr>
-            <a:spLocks noGrp="1"/>
-          </p:cNvSpPr>
-          <p:nvPr>
-            <p:ph idx="1"/>
-          </p:nvPr>
+          <p:cNvSpPr txBox="1"/>
+          <p:nvPr/>
         </p:nvSpPr>
-        <p:spPr/>
+        <p:spPr>
+          <a:xfrm>
+            <a:off x="369967" y="3355300"/>
+            <a:ext cx="7595349" cy="2893100"/>
+          </a:xfrm>
+          <a:prstGeom prst="rect">
+            <a:avLst/>
+          </a:prstGeom>
+        </p:spPr>
+        <p:style>
+          <a:lnRef idx="1">
+            <a:schemeClr val="accent2"/>
+          </a:lnRef>
+          <a:fillRef idx="2">
+            <a:schemeClr val="accent2"/>
+          </a:fillRef>
+          <a:effectRef idx="1">
+            <a:schemeClr val="accent2"/>
+          </a:effectRef>
+          <a:fontRef idx="minor">
+            <a:schemeClr val="dk1"/>
+          </a:fontRef>
+        </p:style>
         <p:txBody>
-          <a:bodyPr/>
+          <a:bodyPr wrap="none" rtlCol="0">
+            <a:spAutoFit/>
+          </a:bodyPr>
           <a:lstStyle/>
           <a:p>
-            <a:endParaRPr lang="en-US"/>
+            <a:r>
+              <a:rPr lang="en-US" sz="1400" dirty="0">
+                <a:solidFill>
+                  <a:srgbClr val="0000FF"/>
+                </a:solidFill>
+                <a:latin typeface="Fira Code" panose="020B0509050000020004" pitchFamily="49" charset="0"/>
+              </a:rPr>
+              <a:t>def</a:t>
+            </a:r>
+            <a:r>
+              <a:rPr lang="en-US" sz="1400" dirty="0">
+                <a:solidFill>
+                  <a:srgbClr val="000000"/>
+                </a:solidFill>
+                <a:latin typeface="Fira Code" panose="020B0509050000020004" pitchFamily="49" charset="0"/>
+              </a:rPr>
+              <a:t> gradient_descentv2(X, y, alpha=</a:t>
+            </a:r>
+            <a:r>
+              <a:rPr lang="en-US" sz="1400" dirty="0">
+                <a:solidFill>
+                  <a:srgbClr val="09885A"/>
+                </a:solidFill>
+                <a:latin typeface="Fira Code" panose="020B0509050000020004" pitchFamily="49" charset="0"/>
+              </a:rPr>
+              <a:t>0.01</a:t>
+            </a:r>
+            <a:r>
+              <a:rPr lang="en-US" sz="1400" dirty="0">
+                <a:solidFill>
+                  <a:srgbClr val="000000"/>
+                </a:solidFill>
+                <a:latin typeface="Fira Code" panose="020B0509050000020004" pitchFamily="49" charset="0"/>
+              </a:rPr>
+              <a:t>, </a:t>
+            </a:r>
+            <a:r>
+              <a:rPr lang="en-US" sz="1400" dirty="0" err="1">
+                <a:solidFill>
+                  <a:srgbClr val="000000"/>
+                </a:solidFill>
+                <a:latin typeface="Fira Code" panose="020B0509050000020004" pitchFamily="49" charset="0"/>
+              </a:rPr>
+              <a:t>num_iters</a:t>
+            </a:r>
+            <a:r>
+              <a:rPr lang="en-US" sz="1400" dirty="0">
+                <a:solidFill>
+                  <a:srgbClr val="000000"/>
+                </a:solidFill>
+                <a:latin typeface="Fira Code" panose="020B0509050000020004" pitchFamily="49" charset="0"/>
+              </a:rPr>
+              <a:t>=</a:t>
+            </a:r>
+            <a:r>
+              <a:rPr lang="en-US" sz="1400" dirty="0">
+                <a:solidFill>
+                  <a:srgbClr val="09885A"/>
+                </a:solidFill>
+                <a:latin typeface="Fira Code" panose="020B0509050000020004" pitchFamily="49" charset="0"/>
+              </a:rPr>
+              <a:t>1500</a:t>
+            </a:r>
+            <a:r>
+              <a:rPr lang="en-US" sz="1400" dirty="0">
+                <a:solidFill>
+                  <a:srgbClr val="000000"/>
+                </a:solidFill>
+                <a:latin typeface="Fira Code" panose="020B0509050000020004" pitchFamily="49" charset="0"/>
+              </a:rPr>
+              <a:t>):</a:t>
+            </a:r>
+          </a:p>
+          <a:p>
+            <a:r>
+              <a:rPr lang="en-US" sz="1400" dirty="0">
+                <a:solidFill>
+                  <a:srgbClr val="A31515"/>
+                </a:solidFill>
+                <a:latin typeface="Fira Code" panose="020B0509050000020004" pitchFamily="49" charset="0"/>
+              </a:rPr>
+              <a:t>""" do gradient descent on any feature matrix """</a:t>
+            </a:r>
+            <a:endParaRPr lang="en-US" sz="1400" dirty="0">
+              <a:solidFill>
+                <a:srgbClr val="000000"/>
+              </a:solidFill>
+              <a:latin typeface="Fira Code" panose="020B0509050000020004" pitchFamily="49" charset="0"/>
+            </a:endParaRPr>
+          </a:p>
+          <a:p>
+            <a:r>
+              <a:rPr lang="en-US" sz="1400" dirty="0">
+                <a:solidFill>
+                  <a:srgbClr val="000000"/>
+                </a:solidFill>
+                <a:latin typeface="Fira Code" panose="020B0509050000020004" pitchFamily="49" charset="0"/>
+              </a:rPr>
+              <a:t>    n, m = </a:t>
+            </a:r>
+            <a:r>
+              <a:rPr lang="en-US" sz="1400" dirty="0" err="1">
+                <a:solidFill>
+                  <a:srgbClr val="000000"/>
+                </a:solidFill>
+                <a:latin typeface="Fira Code" panose="020B0509050000020004" pitchFamily="49" charset="0"/>
+              </a:rPr>
+              <a:t>X.shape</a:t>
+            </a:r>
+            <a:endParaRPr lang="en-US" sz="1400" dirty="0">
+              <a:solidFill>
+                <a:srgbClr val="000000"/>
+              </a:solidFill>
+              <a:latin typeface="Fira Code" panose="020B0509050000020004" pitchFamily="49" charset="0"/>
+            </a:endParaRPr>
+          </a:p>
+          <a:p>
+            <a:r>
+              <a:rPr lang="en-US" sz="1400" dirty="0">
+                <a:solidFill>
+                  <a:srgbClr val="000000"/>
+                </a:solidFill>
+                <a:latin typeface="Fira Code" panose="020B0509050000020004" pitchFamily="49" charset="0"/>
+              </a:rPr>
+              <a:t>    c = </a:t>
+            </a:r>
+            <a:r>
+              <a:rPr lang="en-US" sz="1400" dirty="0" err="1">
+                <a:solidFill>
+                  <a:srgbClr val="000000"/>
+                </a:solidFill>
+                <a:latin typeface="Fira Code" panose="020B0509050000020004" pitchFamily="49" charset="0"/>
+              </a:rPr>
+              <a:t>np.zeros</a:t>
+            </a:r>
+            <a:r>
+              <a:rPr lang="en-US" sz="1400" dirty="0">
+                <a:solidFill>
+                  <a:srgbClr val="000000"/>
+                </a:solidFill>
+                <a:latin typeface="Fira Code" panose="020B0509050000020004" pitchFamily="49" charset="0"/>
+              </a:rPr>
+              <a:t>(</a:t>
+            </a:r>
+            <a:r>
+              <a:rPr lang="en-US" sz="1400" dirty="0" err="1">
+                <a:solidFill>
+                  <a:srgbClr val="000000"/>
+                </a:solidFill>
+                <a:latin typeface="Fira Code" panose="020B0509050000020004" pitchFamily="49" charset="0"/>
+              </a:rPr>
+              <a:t>num_iters</a:t>
+            </a:r>
+            <a:r>
+              <a:rPr lang="en-US" sz="1400" dirty="0">
+                <a:solidFill>
+                  <a:srgbClr val="000000"/>
+                </a:solidFill>
+                <a:latin typeface="Fira Code" panose="020B0509050000020004" pitchFamily="49" charset="0"/>
+              </a:rPr>
+              <a:t>)</a:t>
+            </a:r>
+          </a:p>
+          <a:p>
+            <a:r>
+              <a:rPr lang="en-US" sz="1400" dirty="0">
+                <a:solidFill>
+                  <a:srgbClr val="000000"/>
+                </a:solidFill>
+                <a:latin typeface="Fira Code" panose="020B0509050000020004" pitchFamily="49" charset="0"/>
+              </a:rPr>
+              <a:t>    w = </a:t>
+            </a:r>
+            <a:r>
+              <a:rPr lang="en-US" sz="1400" dirty="0" err="1">
+                <a:solidFill>
+                  <a:srgbClr val="000000"/>
+                </a:solidFill>
+                <a:latin typeface="Fira Code" panose="020B0509050000020004" pitchFamily="49" charset="0"/>
+              </a:rPr>
+              <a:t>np.full</a:t>
+            </a:r>
+            <a:r>
+              <a:rPr lang="en-US" sz="1400" dirty="0">
+                <a:solidFill>
+                  <a:srgbClr val="000000"/>
+                </a:solidFill>
+                <a:latin typeface="Fira Code" panose="020B0509050000020004" pitchFamily="49" charset="0"/>
+              </a:rPr>
+              <a:t>((m, </a:t>
+            </a:r>
+            <a:r>
+              <a:rPr lang="en-US" sz="1400" dirty="0">
+                <a:solidFill>
+                  <a:srgbClr val="09885A"/>
+                </a:solidFill>
+                <a:latin typeface="Fira Code" panose="020B0509050000020004" pitchFamily="49" charset="0"/>
+              </a:rPr>
+              <a:t>1</a:t>
+            </a:r>
+            <a:r>
+              <a:rPr lang="en-US" sz="1400" dirty="0">
+                <a:solidFill>
+                  <a:srgbClr val="000000"/>
+                </a:solidFill>
+                <a:latin typeface="Fira Code" panose="020B0509050000020004" pitchFamily="49" charset="0"/>
+              </a:rPr>
+              <a:t>), </a:t>
+            </a:r>
+            <a:r>
+              <a:rPr lang="en-US" sz="1400" dirty="0">
+                <a:solidFill>
+                  <a:srgbClr val="09885A"/>
+                </a:solidFill>
+                <a:latin typeface="Fira Code" panose="020B0509050000020004" pitchFamily="49" charset="0"/>
+              </a:rPr>
+              <a:t>0.0</a:t>
+            </a:r>
+            <a:r>
+              <a:rPr lang="en-US" sz="1400" dirty="0">
+                <a:solidFill>
+                  <a:srgbClr val="000000"/>
+                </a:solidFill>
+                <a:latin typeface="Fira Code" panose="020B0509050000020004" pitchFamily="49" charset="0"/>
+              </a:rPr>
+              <a:t>) </a:t>
+            </a:r>
+            <a:r>
+              <a:rPr lang="en-US" sz="1400" dirty="0">
+                <a:solidFill>
+                  <a:srgbClr val="008000"/>
+                </a:solidFill>
+                <a:latin typeface="Fira Code" panose="020B0509050000020004" pitchFamily="49" charset="0"/>
+              </a:rPr>
+              <a:t># initialize w</a:t>
+            </a:r>
+            <a:endParaRPr lang="en-US" sz="1400" dirty="0">
+              <a:solidFill>
+                <a:srgbClr val="000000"/>
+              </a:solidFill>
+              <a:latin typeface="Fira Code" panose="020B0509050000020004" pitchFamily="49" charset="0"/>
+            </a:endParaRPr>
+          </a:p>
+          <a:p>
+            <a:r>
+              <a:rPr lang="en-US" sz="1400" dirty="0">
+                <a:solidFill>
+                  <a:srgbClr val="000000"/>
+                </a:solidFill>
+                <a:latin typeface="Fira Code" panose="020B0509050000020004" pitchFamily="49" charset="0"/>
+              </a:rPr>
+              <a:t>    temp = </a:t>
+            </a:r>
+            <a:r>
+              <a:rPr lang="en-US" sz="1400" dirty="0" err="1">
+                <a:solidFill>
+                  <a:srgbClr val="000000"/>
+                </a:solidFill>
+                <a:latin typeface="Fira Code" panose="020B0509050000020004" pitchFamily="49" charset="0"/>
+              </a:rPr>
+              <a:t>np.full</a:t>
+            </a:r>
+            <a:r>
+              <a:rPr lang="en-US" sz="1400" dirty="0">
+                <a:solidFill>
+                  <a:srgbClr val="000000"/>
+                </a:solidFill>
+                <a:latin typeface="Fira Code" panose="020B0509050000020004" pitchFamily="49" charset="0"/>
+              </a:rPr>
+              <a:t>((m, </a:t>
+            </a:r>
+            <a:r>
+              <a:rPr lang="en-US" sz="1400" dirty="0">
+                <a:solidFill>
+                  <a:srgbClr val="09885A"/>
+                </a:solidFill>
+                <a:latin typeface="Fira Code" panose="020B0509050000020004" pitchFamily="49" charset="0"/>
+              </a:rPr>
+              <a:t>1</a:t>
+            </a:r>
+            <a:r>
+              <a:rPr lang="en-US" sz="1400" dirty="0">
+                <a:solidFill>
+                  <a:srgbClr val="000000"/>
+                </a:solidFill>
+                <a:latin typeface="Fira Code" panose="020B0509050000020004" pitchFamily="49" charset="0"/>
+              </a:rPr>
+              <a:t>), </a:t>
+            </a:r>
+            <a:r>
+              <a:rPr lang="en-US" sz="1400" dirty="0">
+                <a:solidFill>
+                  <a:srgbClr val="09885A"/>
+                </a:solidFill>
+                <a:latin typeface="Fira Code" panose="020B0509050000020004" pitchFamily="49" charset="0"/>
+              </a:rPr>
+              <a:t>0.0</a:t>
+            </a:r>
+            <a:r>
+              <a:rPr lang="en-US" sz="1400" dirty="0">
+                <a:solidFill>
+                  <a:srgbClr val="000000"/>
+                </a:solidFill>
+                <a:latin typeface="Fira Code" panose="020B0509050000020004" pitchFamily="49" charset="0"/>
+              </a:rPr>
+              <a:t>)</a:t>
+            </a:r>
+          </a:p>
+          <a:p>
+            <a:r>
+              <a:rPr lang="en-US" sz="1400" dirty="0">
+                <a:solidFill>
+                  <a:srgbClr val="0000FF"/>
+                </a:solidFill>
+                <a:latin typeface="Fira Code" panose="020B0509050000020004" pitchFamily="49" charset="0"/>
+              </a:rPr>
+              <a:t>    for</a:t>
+            </a:r>
+            <a:r>
+              <a:rPr lang="en-US" sz="1400" dirty="0">
+                <a:solidFill>
+                  <a:srgbClr val="000000"/>
+                </a:solidFill>
+                <a:latin typeface="Fira Code" panose="020B0509050000020004" pitchFamily="49" charset="0"/>
+              </a:rPr>
+              <a:t> </a:t>
+            </a:r>
+            <a:r>
+              <a:rPr lang="en-US" sz="1400" dirty="0" err="1">
+                <a:solidFill>
+                  <a:srgbClr val="000000"/>
+                </a:solidFill>
+                <a:latin typeface="Fira Code" panose="020B0509050000020004" pitchFamily="49" charset="0"/>
+              </a:rPr>
+              <a:t>i</a:t>
+            </a:r>
+            <a:r>
+              <a:rPr lang="en-US" sz="1400" dirty="0">
+                <a:solidFill>
+                  <a:srgbClr val="000000"/>
+                </a:solidFill>
+                <a:latin typeface="Fira Code" panose="020B0509050000020004" pitchFamily="49" charset="0"/>
+              </a:rPr>
+              <a:t> </a:t>
+            </a:r>
+            <a:r>
+              <a:rPr lang="en-US" sz="1400" dirty="0">
+                <a:solidFill>
+                  <a:srgbClr val="0000FF"/>
+                </a:solidFill>
+                <a:latin typeface="Fira Code" panose="020B0509050000020004" pitchFamily="49" charset="0"/>
+              </a:rPr>
+              <a:t>in</a:t>
+            </a:r>
+            <a:r>
+              <a:rPr lang="en-US" sz="1400" dirty="0">
+                <a:solidFill>
+                  <a:srgbClr val="000000"/>
+                </a:solidFill>
+                <a:latin typeface="Fira Code" panose="020B0509050000020004" pitchFamily="49" charset="0"/>
+              </a:rPr>
+              <a:t> range(</a:t>
+            </a:r>
+            <a:r>
+              <a:rPr lang="en-US" sz="1400" dirty="0" err="1">
+                <a:solidFill>
+                  <a:srgbClr val="000000"/>
+                </a:solidFill>
+                <a:latin typeface="Fira Code" panose="020B0509050000020004" pitchFamily="49" charset="0"/>
+              </a:rPr>
+              <a:t>num_iters</a:t>
+            </a:r>
+            <a:r>
+              <a:rPr lang="en-US" sz="1400" dirty="0">
+                <a:solidFill>
+                  <a:srgbClr val="000000"/>
+                </a:solidFill>
+                <a:latin typeface="Fira Code" panose="020B0509050000020004" pitchFamily="49" charset="0"/>
+              </a:rPr>
+              <a:t>):</a:t>
+            </a:r>
+          </a:p>
+          <a:p>
+            <a:r>
+              <a:rPr lang="en-US" sz="1400" dirty="0">
+                <a:solidFill>
+                  <a:srgbClr val="000000"/>
+                </a:solidFill>
+                <a:latin typeface="Fira Code" panose="020B0509050000020004" pitchFamily="49" charset="0"/>
+              </a:rPr>
+              <a:t>        c[</a:t>
+            </a:r>
+            <a:r>
+              <a:rPr lang="en-US" sz="1400" dirty="0" err="1">
+                <a:solidFill>
+                  <a:srgbClr val="000000"/>
+                </a:solidFill>
+                <a:latin typeface="Fira Code" panose="020B0509050000020004" pitchFamily="49" charset="0"/>
+              </a:rPr>
+              <a:t>i</a:t>
+            </a:r>
+            <a:r>
+              <a:rPr lang="en-US" sz="1400" dirty="0">
+                <a:solidFill>
+                  <a:srgbClr val="000000"/>
+                </a:solidFill>
+                <a:latin typeface="Fira Code" panose="020B0509050000020004" pitchFamily="49" charset="0"/>
+              </a:rPr>
+              <a:t>] = </a:t>
+            </a:r>
+            <a:r>
+              <a:rPr lang="en-US" sz="1400" dirty="0" err="1">
+                <a:solidFill>
+                  <a:srgbClr val="000000"/>
+                </a:solidFill>
+                <a:latin typeface="Fira Code" panose="020B0509050000020004" pitchFamily="49" charset="0"/>
+              </a:rPr>
+              <a:t>compute_cost</a:t>
+            </a:r>
+            <a:r>
+              <a:rPr lang="en-US" sz="1400" dirty="0">
+                <a:solidFill>
+                  <a:srgbClr val="000000"/>
+                </a:solidFill>
+                <a:latin typeface="Fira Code" panose="020B0509050000020004" pitchFamily="49" charset="0"/>
+              </a:rPr>
+              <a:t>(X, y, w)</a:t>
+            </a:r>
+          </a:p>
+          <a:p>
+            <a:r>
+              <a:rPr lang="en-US" sz="1400" dirty="0">
+                <a:solidFill>
+                  <a:srgbClr val="0000FF"/>
+                </a:solidFill>
+                <a:latin typeface="Fira Code" panose="020B0509050000020004" pitchFamily="49" charset="0"/>
+              </a:rPr>
+              <a:t>        for</a:t>
+            </a:r>
+            <a:r>
+              <a:rPr lang="en-US" sz="1400" dirty="0">
+                <a:solidFill>
+                  <a:srgbClr val="000000"/>
+                </a:solidFill>
+                <a:latin typeface="Fira Code" panose="020B0509050000020004" pitchFamily="49" charset="0"/>
+              </a:rPr>
+              <a:t> j </a:t>
+            </a:r>
+            <a:r>
+              <a:rPr lang="en-US" sz="1400" dirty="0">
+                <a:solidFill>
+                  <a:srgbClr val="0000FF"/>
+                </a:solidFill>
+                <a:latin typeface="Fira Code" panose="020B0509050000020004" pitchFamily="49" charset="0"/>
+              </a:rPr>
+              <a:t>in</a:t>
+            </a:r>
+            <a:r>
+              <a:rPr lang="en-US" sz="1400" dirty="0">
+                <a:solidFill>
+                  <a:srgbClr val="000000"/>
+                </a:solidFill>
+                <a:latin typeface="Fira Code" panose="020B0509050000020004" pitchFamily="49" charset="0"/>
+              </a:rPr>
+              <a:t> range(m):</a:t>
+            </a:r>
+          </a:p>
+          <a:p>
+            <a:r>
+              <a:rPr lang="en-US" sz="1400" dirty="0">
+                <a:solidFill>
+                  <a:srgbClr val="000000"/>
+                </a:solidFill>
+                <a:latin typeface="Fira Code" panose="020B0509050000020004" pitchFamily="49" charset="0"/>
+              </a:rPr>
+              <a:t>            temp[j] = w[j] - alpha / (n) * \</a:t>
+            </a:r>
+          </a:p>
+          <a:p>
+            <a:r>
+              <a:rPr lang="en-US" sz="1400" dirty="0">
+                <a:solidFill>
+                  <a:srgbClr val="000000"/>
+                </a:solidFill>
+                <a:latin typeface="Fira Code" panose="020B0509050000020004" pitchFamily="49" charset="0"/>
+              </a:rPr>
+              <a:t>               </a:t>
+            </a:r>
+            <a:r>
+              <a:rPr lang="en-US" sz="1400" dirty="0" err="1">
+                <a:solidFill>
+                  <a:srgbClr val="000000"/>
+                </a:solidFill>
+                <a:latin typeface="Fira Code" panose="020B0509050000020004" pitchFamily="49" charset="0"/>
+              </a:rPr>
+              <a:t>np.sum</a:t>
+            </a:r>
+            <a:r>
+              <a:rPr lang="en-US" sz="1400" dirty="0">
+                <a:solidFill>
+                  <a:srgbClr val="000000"/>
+                </a:solidFill>
+                <a:latin typeface="Fira Code" panose="020B0509050000020004" pitchFamily="49" charset="0"/>
+              </a:rPr>
+              <a:t>((</a:t>
+            </a:r>
+            <a:r>
+              <a:rPr lang="en-US" sz="1400" dirty="0" err="1">
+                <a:solidFill>
+                  <a:srgbClr val="000000"/>
+                </a:solidFill>
+                <a:latin typeface="Fira Code" panose="020B0509050000020004" pitchFamily="49" charset="0"/>
+              </a:rPr>
+              <a:t>np.dot</a:t>
+            </a:r>
+            <a:r>
+              <a:rPr lang="en-US" sz="1400" dirty="0">
+                <a:solidFill>
+                  <a:srgbClr val="000000"/>
+                </a:solidFill>
+                <a:latin typeface="Fira Code" panose="020B0509050000020004" pitchFamily="49" charset="0"/>
+              </a:rPr>
+              <a:t>(X, w) - y[:, </a:t>
+            </a:r>
+            <a:r>
+              <a:rPr lang="en-US" sz="1400" dirty="0">
+                <a:solidFill>
+                  <a:srgbClr val="0000FF"/>
+                </a:solidFill>
+                <a:latin typeface="Fira Code" panose="020B0509050000020004" pitchFamily="49" charset="0"/>
+              </a:rPr>
+              <a:t>None</a:t>
+            </a:r>
+            <a:r>
+              <a:rPr lang="en-US" sz="1400" dirty="0">
+                <a:solidFill>
+                  <a:srgbClr val="000000"/>
+                </a:solidFill>
+                <a:latin typeface="Fira Code" panose="020B0509050000020004" pitchFamily="49" charset="0"/>
+              </a:rPr>
+              <a:t>]) * X[:, j][:, </a:t>
+            </a:r>
+            <a:r>
+              <a:rPr lang="en-US" sz="1400" dirty="0">
+                <a:solidFill>
+                  <a:srgbClr val="0000FF"/>
+                </a:solidFill>
+                <a:latin typeface="Fira Code" panose="020B0509050000020004" pitchFamily="49" charset="0"/>
+              </a:rPr>
+              <a:t>None</a:t>
+            </a:r>
+            <a:r>
+              <a:rPr lang="en-US" sz="1400" dirty="0">
+                <a:solidFill>
+                  <a:srgbClr val="000000"/>
+                </a:solidFill>
+                <a:latin typeface="Fira Code" panose="020B0509050000020004" pitchFamily="49" charset="0"/>
+              </a:rPr>
+              <a:t>])</a:t>
+            </a:r>
+          </a:p>
+          <a:p>
+            <a:r>
+              <a:rPr lang="en-US" sz="1400" dirty="0">
+                <a:solidFill>
+                  <a:srgbClr val="000000"/>
+                </a:solidFill>
+                <a:latin typeface="Fira Code" panose="020B0509050000020004" pitchFamily="49" charset="0"/>
+              </a:rPr>
+              <a:t>        w = temp </a:t>
+            </a:r>
+          </a:p>
+          <a:p>
+            <a:r>
+              <a:rPr lang="en-US" sz="1400" dirty="0">
+                <a:solidFill>
+                  <a:srgbClr val="0000FF"/>
+                </a:solidFill>
+                <a:latin typeface="Fira Code" panose="020B0509050000020004" pitchFamily="49" charset="0"/>
+              </a:rPr>
+              <a:t>    return</a:t>
+            </a:r>
+            <a:r>
+              <a:rPr lang="en-US" sz="1400" dirty="0">
+                <a:solidFill>
+                  <a:srgbClr val="000000"/>
+                </a:solidFill>
+                <a:latin typeface="Fira Code" panose="020B0509050000020004" pitchFamily="49" charset="0"/>
+              </a:rPr>
+              <a:t> c, w</a:t>
+            </a:r>
           </a:p>
         </p:txBody>
       </p:sp>
+      <p:pic>
+        <p:nvPicPr>
+          <p:cNvPr id="5" name="Picture 4">
+            <a:extLst>
+              <a:ext uri="{FF2B5EF4-FFF2-40B4-BE49-F238E27FC236}">
+                <a16:creationId xmlns:a16="http://schemas.microsoft.com/office/drawing/2014/main" id="{E8016818-3D1F-7C49-97E0-B18AC3A21732}"/>
+              </a:ext>
+            </a:extLst>
+          </p:cNvPr>
+          <p:cNvPicPr>
+            <a:picLocks noChangeAspect="1"/>
+          </p:cNvPicPr>
+          <p:nvPr/>
+        </p:nvPicPr>
+        <p:blipFill>
+          <a:blip r:embed="rId2"/>
+          <a:stretch>
+            <a:fillRect/>
+          </a:stretch>
+        </p:blipFill>
+        <p:spPr>
+          <a:xfrm>
+            <a:off x="506412" y="1231348"/>
+            <a:ext cx="6908800" cy="1320800"/>
+          </a:xfrm>
+          <a:prstGeom prst="rect">
+            <a:avLst/>
+          </a:prstGeom>
+        </p:spPr>
+      </p:pic>
+      <p:pic>
+        <p:nvPicPr>
+          <p:cNvPr id="6" name="Picture 5">
+            <a:extLst>
+              <a:ext uri="{FF2B5EF4-FFF2-40B4-BE49-F238E27FC236}">
+                <a16:creationId xmlns:a16="http://schemas.microsoft.com/office/drawing/2014/main" id="{54F79D12-B73C-A340-AF32-F35278A2F949}"/>
+              </a:ext>
+            </a:extLst>
+          </p:cNvPr>
+          <p:cNvPicPr>
+            <a:picLocks noChangeAspect="1"/>
+          </p:cNvPicPr>
+          <p:nvPr/>
+        </p:nvPicPr>
+        <p:blipFill>
+          <a:blip r:embed="rId3"/>
+          <a:stretch>
+            <a:fillRect/>
+          </a:stretch>
+        </p:blipFill>
+        <p:spPr>
+          <a:xfrm>
+            <a:off x="8206753" y="1663148"/>
+            <a:ext cx="2374900" cy="457200"/>
+          </a:xfrm>
+          <a:prstGeom prst="rect">
+            <a:avLst/>
+          </a:prstGeom>
+        </p:spPr>
+      </p:pic>
     </p:spTree>
     <p:extLst>
       <p:ext uri="{BB962C8B-B14F-4D97-AF65-F5344CB8AC3E}">
@@ -7808,31 +8568,190 @@
           </a:p>
         </p:txBody>
       </p:sp>
-      <p:sp>
-        <p:nvSpPr>
-          <p:cNvPr id="3" name="Content Placeholder 2">
+      <p:pic>
+        <p:nvPicPr>
+          <p:cNvPr id="4" name="Picture 3">
             <a:extLst>
               <a:ext uri="{FF2B5EF4-FFF2-40B4-BE49-F238E27FC236}">
-                <a16:creationId xmlns:a16="http://schemas.microsoft.com/office/drawing/2014/main" id="{E325EB8E-3630-C846-A5AD-DAD05A1A1224}"/>
+                <a16:creationId xmlns:a16="http://schemas.microsoft.com/office/drawing/2014/main" id="{84597F8B-F07E-9945-921A-A47164194BC9}"/>
               </a:ext>
             </a:extLst>
           </p:cNvPr>
-          <p:cNvSpPr>
-            <a:spLocks noGrp="1"/>
-          </p:cNvSpPr>
-          <p:nvPr>
-            <p:ph idx="1"/>
-          </p:nvPr>
-        </p:nvSpPr>
-        <p:spPr/>
-        <p:txBody>
-          <a:bodyPr/>
-          <a:lstStyle/>
-          <a:p>
-            <a:endParaRPr lang="en-US"/>
-          </a:p>
-        </p:txBody>
-      </p:sp>
+          <p:cNvPicPr>
+            <a:picLocks noChangeAspect="1"/>
+          </p:cNvPicPr>
+          <p:nvPr/>
+        </p:nvPicPr>
+        <p:blipFill>
+          <a:blip r:embed="rId2"/>
+          <a:stretch>
+            <a:fillRect/>
+          </a:stretch>
+        </p:blipFill>
+        <p:spPr>
+          <a:xfrm>
+            <a:off x="2308984" y="1841776"/>
+            <a:ext cx="3568700" cy="1054100"/>
+          </a:xfrm>
+          <a:prstGeom prst="rect">
+            <a:avLst/>
+          </a:prstGeom>
+        </p:spPr>
+      </p:pic>
+      <p:pic>
+        <p:nvPicPr>
+          <p:cNvPr id="5" name="Picture 4">
+            <a:extLst>
+              <a:ext uri="{FF2B5EF4-FFF2-40B4-BE49-F238E27FC236}">
+                <a16:creationId xmlns:a16="http://schemas.microsoft.com/office/drawing/2014/main" id="{3A608026-51A8-3448-8CEC-D2D0AA93549F}"/>
+              </a:ext>
+            </a:extLst>
+          </p:cNvPr>
+          <p:cNvPicPr>
+            <a:picLocks noChangeAspect="1"/>
+          </p:cNvPicPr>
+          <p:nvPr/>
+        </p:nvPicPr>
+        <p:blipFill>
+          <a:blip r:embed="rId3"/>
+          <a:stretch>
+            <a:fillRect/>
+          </a:stretch>
+        </p:blipFill>
+        <p:spPr>
+          <a:xfrm>
+            <a:off x="778082" y="4129157"/>
+            <a:ext cx="4165600" cy="508000"/>
+          </a:xfrm>
+          <a:prstGeom prst="rect">
+            <a:avLst/>
+          </a:prstGeom>
+        </p:spPr>
+      </p:pic>
+      <p:pic>
+        <p:nvPicPr>
+          <p:cNvPr id="6" name="Picture 5">
+            <a:extLst>
+              <a:ext uri="{FF2B5EF4-FFF2-40B4-BE49-F238E27FC236}">
+                <a16:creationId xmlns:a16="http://schemas.microsoft.com/office/drawing/2014/main" id="{6CCC2547-75BC-174D-A15B-F7750FE524BE}"/>
+              </a:ext>
+            </a:extLst>
+          </p:cNvPr>
+          <p:cNvPicPr>
+            <a:picLocks noChangeAspect="1"/>
+          </p:cNvPicPr>
+          <p:nvPr/>
+        </p:nvPicPr>
+        <p:blipFill>
+          <a:blip r:embed="rId4"/>
+          <a:stretch>
+            <a:fillRect/>
+          </a:stretch>
+        </p:blipFill>
+        <p:spPr>
+          <a:xfrm>
+            <a:off x="6191870" y="4129157"/>
+            <a:ext cx="1739900" cy="508000"/>
+          </a:xfrm>
+          <a:prstGeom prst="rect">
+            <a:avLst/>
+          </a:prstGeom>
+        </p:spPr>
+      </p:pic>
+      <p:cxnSp>
+        <p:nvCxnSpPr>
+          <p:cNvPr id="8" name="Straight Arrow Connector 7">
+            <a:extLst>
+              <a:ext uri="{FF2B5EF4-FFF2-40B4-BE49-F238E27FC236}">
+                <a16:creationId xmlns:a16="http://schemas.microsoft.com/office/drawing/2014/main" id="{4BB75C93-D281-EA47-A744-D68628634BF3}"/>
+              </a:ext>
+            </a:extLst>
+          </p:cNvPr>
+          <p:cNvCxnSpPr>
+            <a:cxnSpLocks/>
+          </p:cNvCxnSpPr>
+          <p:nvPr/>
+        </p:nvCxnSpPr>
+        <p:spPr>
+          <a:xfrm flipH="1">
+            <a:off x="3403427" y="2963723"/>
+            <a:ext cx="876232" cy="998401"/>
+          </a:xfrm>
+          <a:prstGeom prst="straightConnector1">
+            <a:avLst/>
+          </a:prstGeom>
+          <a:ln w="38100" cap="flat" cmpd="sng" algn="ctr">
+            <a:solidFill>
+              <a:schemeClr val="accent1"/>
+            </a:solidFill>
+            <a:prstDash val="solid"/>
+            <a:round/>
+            <a:headEnd type="none" w="med" len="med"/>
+            <a:tailEnd type="arrow" w="med" len="med"/>
+          </a:ln>
+        </p:spPr>
+        <p:style>
+          <a:lnRef idx="0">
+            <a:scrgbClr r="0" g="0" b="0"/>
+          </a:lnRef>
+          <a:fillRef idx="0">
+            <a:scrgbClr r="0" g="0" b="0"/>
+          </a:fillRef>
+          <a:effectRef idx="0">
+            <a:scrgbClr r="0" g="0" b="0"/>
+          </a:effectRef>
+          <a:fontRef idx="minor">
+            <a:schemeClr val="tx1"/>
+          </a:fontRef>
+        </p:style>
+      </p:cxnSp>
+      <p:cxnSp>
+        <p:nvCxnSpPr>
+          <p:cNvPr id="12" name="Straight Arrow Connector 11">
+            <a:extLst>
+              <a:ext uri="{FF2B5EF4-FFF2-40B4-BE49-F238E27FC236}">
+                <a16:creationId xmlns:a16="http://schemas.microsoft.com/office/drawing/2014/main" id="{575DD969-9710-DB4D-AA6D-6E7B60779A1D}"/>
+              </a:ext>
+            </a:extLst>
+          </p:cNvPr>
+          <p:cNvCxnSpPr>
+            <a:cxnSpLocks/>
+          </p:cNvCxnSpPr>
+          <p:nvPr/>
+        </p:nvCxnSpPr>
+        <p:spPr>
+          <a:xfrm>
+            <a:off x="4823516" y="2963724"/>
+            <a:ext cx="1054168" cy="998401"/>
+          </a:xfrm>
+          <a:prstGeom prst="straightConnector1">
+            <a:avLst/>
+          </a:prstGeom>
+          <a:ln w="38100" cap="flat" cmpd="sng" algn="ctr">
+            <a:solidFill>
+              <a:schemeClr val="accent1"/>
+            </a:solidFill>
+            <a:prstDash val="solid"/>
+            <a:round/>
+            <a:headEnd type="none" w="med" len="med"/>
+            <a:tailEnd type="arrow" w="med" len="med"/>
+          </a:ln>
+        </p:spPr>
+        <p:style>
+          <a:lnRef idx="0">
+            <a:scrgbClr r="0" g="0" b="0"/>
+          </a:lnRef>
+          <a:fillRef idx="0">
+            <a:scrgbClr r="0" g="0" b="0"/>
+          </a:fillRef>
+          <a:effectRef idx="0">
+            <a:scrgbClr r="0" g="0" b="0"/>
+          </a:effectRef>
+          <a:fontRef idx="minor">
+            <a:schemeClr val="tx1"/>
+          </a:fontRef>
+        </p:style>
+      </p:cxnSp>
     </p:spTree>
     <p:extLst>
       <p:ext uri="{BB962C8B-B14F-4D97-AF65-F5344CB8AC3E}">
@@ -9343,18 +10262,18 @@
 </file>
 
 <file path=customXml/item1.xml><?xml version="1.0" encoding="utf-8"?>
+<p:properties xmlns:p="http://schemas.microsoft.com/office/2006/metadata/properties" xmlns:xsi="http://www.w3.org/2001/XMLSchema-instance" xmlns:pc="http://schemas.microsoft.com/office/infopath/2007/PartnerControls">
+  <documentManagement/>
+</p:properties>
+</file>
+
+<file path=customXml/item2.xml><?xml version="1.0" encoding="utf-8"?>
 <?mso-contentType ?>
 <FormTemplates xmlns="http://schemas.microsoft.com/sharepoint/v3/contenttype/forms">
   <Display>DocumentLibraryForm</Display>
   <Edit>DocumentLibraryForm</Edit>
   <New>DocumentLibraryForm</New>
 </FormTemplates>
-</file>
-
-<file path=customXml/item2.xml><?xml version="1.0" encoding="utf-8"?>
-<p:properties xmlns:p="http://schemas.microsoft.com/office/2006/metadata/properties" xmlns:xsi="http://www.w3.org/2001/XMLSchema-instance" xmlns:pc="http://schemas.microsoft.com/office/infopath/2007/PartnerControls">
-  <documentManagement/>
-</p:properties>
 </file>
 
 <file path=customXml/item3.xml><?xml version="1.0" encoding="utf-8"?>
@@ -9472,14 +10391,6 @@
 </file>
 
 <file path=customXml/itemProps1.xml><?xml version="1.0" encoding="utf-8"?>
-<ds:datastoreItem xmlns:ds="http://schemas.openxmlformats.org/officeDocument/2006/customXml" ds:itemID="{19E20559-B232-4371-8690-E3D8007EDB82}">
-  <ds:schemaRefs>
-    <ds:schemaRef ds:uri="http://schemas.microsoft.com/sharepoint/v3/contenttype/forms"/>
-  </ds:schemaRefs>
-</ds:datastoreItem>
-</file>
-
-<file path=customXml/itemProps2.xml><?xml version="1.0" encoding="utf-8"?>
 <ds:datastoreItem xmlns:ds="http://schemas.openxmlformats.org/officeDocument/2006/customXml" ds:itemID="{A50EC660-24D0-43A0-AE5E-E274115E726B}">
   <ds:schemaRefs>
     <ds:schemaRef ds:uri="http://schemas.microsoft.com/office/2006/documentManagement/types"/>
@@ -9490,6 +10401,14 @@
     <ds:schemaRef ds:uri="http://purl.org/dc/terms/"/>
     <ds:schemaRef ds:uri="http://schemas.openxmlformats.org/package/2006/metadata/core-properties"/>
     <ds:schemaRef ds:uri="http://schemas.microsoft.com/office/2006/metadata/properties"/>
+  </ds:schemaRefs>
+</ds:datastoreItem>
+</file>
+
+<file path=customXml/itemProps2.xml><?xml version="1.0" encoding="utf-8"?>
+<ds:datastoreItem xmlns:ds="http://schemas.openxmlformats.org/officeDocument/2006/customXml" ds:itemID="{19E20559-B232-4371-8690-E3D8007EDB82}">
+  <ds:schemaRefs>
+    <ds:schemaRef ds:uri="http://schemas.microsoft.com/sharepoint/v3/contenttype/forms"/>
   </ds:schemaRefs>
 </ds:datastoreItem>
 </file>
